--- a/presentation/cloud computing presentation unfinished.pptx
+++ b/presentation/cloud computing presentation unfinished.pptx
@@ -5,7 +5,7 @@
     <p:sldMasterId id="2147483648" r:id="rId1"/>
   </p:sldMasterIdLst>
   <p:notesMasterIdLst>
-    <p:notesMasterId r:id="rId10"/>
+    <p:notesMasterId r:id="rId11"/>
   </p:notesMasterIdLst>
   <p:sldIdLst>
     <p:sldId id="256" r:id="rId2"/>
@@ -16,6 +16,7 @@
     <p:sldId id="274" r:id="rId7"/>
     <p:sldId id="275" r:id="rId8"/>
     <p:sldId id="271" r:id="rId9"/>
+    <p:sldId id="276" r:id="rId10"/>
   </p:sldIdLst>
   <p:sldSz cx="12192000" cy="6858000"/>
   <p:notesSz cx="6858000" cy="9144000"/>
@@ -199,7 +200,7 @@
           <a:p>
             <a:fld id="{32BC66AA-5916-4D8E-B434-480396A2D165}" type="datetimeFigureOut">
               <a:rPr lang="de-DE" smtClean="0"/>
-              <a:t>24.10.2018</a:t>
+              <a:t>25.10.2018</a:t>
             </a:fld>
             <a:endParaRPr lang="de-DE"/>
           </a:p>
@@ -613,7 +614,7 @@
           <a:p>
             <a:fld id="{10C20212-6912-4CB9-BA8A-92F5038E90D5}" type="datetime1">
               <a:rPr lang="de-DE" smtClean="0"/>
-              <a:t>24.10.2018</a:t>
+              <a:t>25.10.2018</a:t>
             </a:fld>
             <a:endParaRPr lang="de-DE"/>
           </a:p>
@@ -815,7 +816,7 @@
           <a:p>
             <a:fld id="{72489F5C-C38F-42CF-8E19-FAF83EBCA64F}" type="datetime1">
               <a:rPr lang="de-DE" smtClean="0"/>
-              <a:t>24.10.2018</a:t>
+              <a:t>25.10.2018</a:t>
             </a:fld>
             <a:endParaRPr lang="de-DE"/>
           </a:p>
@@ -1027,7 +1028,7 @@
           <a:p>
             <a:fld id="{48B29C9E-4509-43CE-BD76-E1F3DCF23354}" type="datetime1">
               <a:rPr lang="de-DE" smtClean="0"/>
-              <a:t>24.10.2018</a:t>
+              <a:t>25.10.2018</a:t>
             </a:fld>
             <a:endParaRPr lang="de-DE"/>
           </a:p>
@@ -1229,7 +1230,7 @@
           <a:p>
             <a:fld id="{D89661FF-525F-4690-9E34-0B7C70CE610B}" type="datetime1">
               <a:rPr lang="de-DE" smtClean="0"/>
-              <a:t>24.10.2018</a:t>
+              <a:t>25.10.2018</a:t>
             </a:fld>
             <a:endParaRPr lang="de-DE"/>
           </a:p>
@@ -1508,7 +1509,7 @@
           <a:p>
             <a:fld id="{8DAFCA1D-549F-46C1-BD25-E0C4D536C2B6}" type="datetime1">
               <a:rPr lang="de-DE" smtClean="0"/>
-              <a:t>24.10.2018</a:t>
+              <a:t>25.10.2018</a:t>
             </a:fld>
             <a:endParaRPr lang="de-DE"/>
           </a:p>
@@ -1777,7 +1778,7 @@
           <a:p>
             <a:fld id="{5A45595E-46AF-4B40-AA0B-0A8160D8D0C6}" type="datetime1">
               <a:rPr lang="de-DE" smtClean="0"/>
-              <a:t>24.10.2018</a:t>
+              <a:t>25.10.2018</a:t>
             </a:fld>
             <a:endParaRPr lang="de-DE"/>
           </a:p>
@@ -2193,7 +2194,7 @@
           <a:p>
             <a:fld id="{0E711DEE-04D8-41E6-9C6D-8EE4C2E0246A}" type="datetime1">
               <a:rPr lang="de-DE" smtClean="0"/>
-              <a:t>24.10.2018</a:t>
+              <a:t>25.10.2018</a:t>
             </a:fld>
             <a:endParaRPr lang="de-DE"/>
           </a:p>
@@ -2338,7 +2339,7 @@
           <a:p>
             <a:fld id="{96788182-DDB8-4825-B629-FE73EE5EA6AD}" type="datetime1">
               <a:rPr lang="de-DE" smtClean="0"/>
-              <a:t>24.10.2018</a:t>
+              <a:t>25.10.2018</a:t>
             </a:fld>
             <a:endParaRPr lang="de-DE"/>
           </a:p>
@@ -2455,7 +2456,7 @@
           <a:p>
             <a:fld id="{AF8D9492-79A0-41FD-A8D6-0098371C80E3}" type="datetime1">
               <a:rPr lang="de-DE" smtClean="0"/>
-              <a:t>24.10.2018</a:t>
+              <a:t>25.10.2018</a:t>
             </a:fld>
             <a:endParaRPr lang="de-DE"/>
           </a:p>
@@ -2770,7 +2771,7 @@
           <a:p>
             <a:fld id="{AF4030DA-426E-4DB1-8BEB-D46677A30D83}" type="datetime1">
               <a:rPr lang="de-DE" smtClean="0"/>
-              <a:t>24.10.2018</a:t>
+              <a:t>25.10.2018</a:t>
             </a:fld>
             <a:endParaRPr lang="de-DE"/>
           </a:p>
@@ -3062,7 +3063,7 @@
           <a:p>
             <a:fld id="{1B34A977-B5F8-44FB-8EF7-19E6F84E2A8C}" type="datetime1">
               <a:rPr lang="de-DE" smtClean="0"/>
-              <a:t>24.10.2018</a:t>
+              <a:t>25.10.2018</a:t>
             </a:fld>
             <a:endParaRPr lang="de-DE"/>
           </a:p>
@@ -3307,7 +3308,7 @@
           <a:p>
             <a:fld id="{9055BDBF-D9C7-47D9-A242-B83988CD0F8D}" type="datetime1">
               <a:rPr lang="de-DE" smtClean="0"/>
-              <a:t>24.10.2018</a:t>
+              <a:t>25.10.2018</a:t>
             </a:fld>
             <a:endParaRPr lang="de-DE"/>
           </a:p>
@@ -3786,8 +3787,20 @@
           <a:lstStyle/>
           <a:p>
             <a:r>
-              <a:rPr lang="en-US" smtClean="0"/>
-              <a:t>Hannah Haist | Trang Le Hong | Felix Schoch</a:t>
+              <a:rPr lang="en-US" dirty="0" smtClean="0"/>
+              <a:t>Hannah </a:t>
+            </a:r>
+            <a:r>
+              <a:rPr lang="en-US" dirty="0" err="1" smtClean="0"/>
+              <a:t>Haist</a:t>
+            </a:r>
+            <a:r>
+              <a:rPr lang="en-US" dirty="0" smtClean="0"/>
+              <a:t> | Trang Le Hong | Felix </a:t>
+            </a:r>
+            <a:r>
+              <a:rPr lang="en-US" dirty="0" err="1" smtClean="0"/>
+              <a:t>Schoch</a:t>
             </a:r>
             <a:endParaRPr lang="de-DE" dirty="0"/>
           </a:p>
@@ -3947,6 +3960,75 @@
           </a:prstGeom>
         </p:spPr>
       </p:pic>
+      <p:sp>
+        <p:nvSpPr>
+          <p:cNvPr id="9" name="Textfeld 8"/>
+          <p:cNvSpPr txBox="1"/>
+          <p:nvPr/>
+        </p:nvSpPr>
+        <p:spPr>
+          <a:xfrm>
+            <a:off x="1002082" y="2192056"/>
+            <a:ext cx="3056352" cy="1200329"/>
+          </a:xfrm>
+          <a:prstGeom prst="rect">
+            <a:avLst/>
+          </a:prstGeom>
+          <a:noFill/>
+        </p:spPr>
+        <p:txBody>
+          <a:bodyPr wrap="square" rtlCol="0">
+            <a:spAutoFit/>
+          </a:bodyPr>
+          <a:lstStyle/>
+          <a:p>
+            <a:r>
+              <a:rPr lang="en-US" dirty="0"/>
+              <a:t>Hannah </a:t>
+            </a:r>
+            <a:r>
+              <a:rPr lang="en-US" dirty="0" err="1" smtClean="0"/>
+              <a:t>Haist</a:t>
+            </a:r>
+            <a:r>
+              <a:rPr lang="en-US" dirty="0" smtClean="0"/>
+              <a:t>	ID:752731</a:t>
+            </a:r>
+          </a:p>
+          <a:p>
+            <a:r>
+              <a:rPr lang="en-US" dirty="0" smtClean="0"/>
+              <a:t>Trang </a:t>
+            </a:r>
+            <a:r>
+              <a:rPr lang="en-US" dirty="0"/>
+              <a:t>Le </a:t>
+            </a:r>
+            <a:r>
+              <a:rPr lang="en-US" dirty="0" smtClean="0"/>
+              <a:t>Hong	ID:310195</a:t>
+            </a:r>
+          </a:p>
+          <a:p>
+            <a:r>
+              <a:rPr lang="en-US" dirty="0" smtClean="0"/>
+              <a:t>Felix </a:t>
+            </a:r>
+            <a:r>
+              <a:rPr lang="en-US" dirty="0" err="1" smtClean="0"/>
+              <a:t>Schoch</a:t>
+            </a:r>
+            <a:r>
+              <a:rPr lang="en-US" dirty="0" smtClean="0"/>
+              <a:t>	ID:761390</a:t>
+            </a:r>
+            <a:endParaRPr lang="de-DE" dirty="0"/>
+          </a:p>
+          <a:p>
+            <a:endParaRPr lang="de-DE" dirty="0"/>
+          </a:p>
+        </p:txBody>
+      </p:sp>
     </p:spTree>
     <p:extLst>
       <p:ext uri="{BB962C8B-B14F-4D97-AF65-F5344CB8AC3E}">
@@ -4211,6 +4293,462 @@
           </a:prstGeom>
         </p:spPr>
       </p:pic>
+      <p:sp>
+        <p:nvSpPr>
+          <p:cNvPr id="3" name="Abgerundetes Rechteck 2"/>
+          <p:cNvSpPr/>
+          <p:nvPr/>
+        </p:nvSpPr>
+        <p:spPr>
+          <a:xfrm>
+            <a:off x="862920" y="2417523"/>
+            <a:ext cx="4146116" cy="3043825"/>
+          </a:xfrm>
+          <a:prstGeom prst="roundRect">
+            <a:avLst/>
+          </a:prstGeom>
+          <a:solidFill>
+            <a:schemeClr val="accent1">
+              <a:lumMod val="20000"/>
+              <a:lumOff val="80000"/>
+            </a:schemeClr>
+          </a:solidFill>
+        </p:spPr>
+        <p:style>
+          <a:lnRef idx="2">
+            <a:schemeClr val="accent1">
+              <a:shade val="50000"/>
+            </a:schemeClr>
+          </a:lnRef>
+          <a:fillRef idx="1">
+            <a:schemeClr val="accent1"/>
+          </a:fillRef>
+          <a:effectRef idx="0">
+            <a:schemeClr val="accent1"/>
+          </a:effectRef>
+          <a:fontRef idx="minor">
+            <a:schemeClr val="lt1"/>
+          </a:fontRef>
+        </p:style>
+        <p:txBody>
+          <a:bodyPr rtlCol="0" anchor="ctr"/>
+          <a:lstStyle/>
+          <a:p>
+            <a:pPr algn="ctr"/>
+            <a:endParaRPr lang="de-DE"/>
+          </a:p>
+        </p:txBody>
+      </p:sp>
+      <p:sp>
+        <p:nvSpPr>
+          <p:cNvPr id="10" name="Abgerundetes Rechteck 9"/>
+          <p:cNvSpPr/>
+          <p:nvPr/>
+        </p:nvSpPr>
+        <p:spPr>
+          <a:xfrm>
+            <a:off x="7207684" y="2417522"/>
+            <a:ext cx="4146116" cy="3043825"/>
+          </a:xfrm>
+          <a:prstGeom prst="roundRect">
+            <a:avLst/>
+          </a:prstGeom>
+          <a:solidFill>
+            <a:schemeClr val="accent1">
+              <a:lumMod val="20000"/>
+              <a:lumOff val="80000"/>
+            </a:schemeClr>
+          </a:solidFill>
+        </p:spPr>
+        <p:style>
+          <a:lnRef idx="2">
+            <a:schemeClr val="accent1">
+              <a:shade val="50000"/>
+            </a:schemeClr>
+          </a:lnRef>
+          <a:fillRef idx="1">
+            <a:schemeClr val="accent1"/>
+          </a:fillRef>
+          <a:effectRef idx="0">
+            <a:schemeClr val="accent1"/>
+          </a:effectRef>
+          <a:fontRef idx="minor">
+            <a:schemeClr val="lt1"/>
+          </a:fontRef>
+        </p:style>
+        <p:txBody>
+          <a:bodyPr rtlCol="0" anchor="ctr"/>
+          <a:lstStyle/>
+          <a:p>
+            <a:pPr algn="ctr"/>
+            <a:endParaRPr lang="de-DE"/>
+          </a:p>
+        </p:txBody>
+      </p:sp>
+      <p:sp>
+        <p:nvSpPr>
+          <p:cNvPr id="11" name="Textfeld 10"/>
+          <p:cNvSpPr txBox="1"/>
+          <p:nvPr/>
+        </p:nvSpPr>
+        <p:spPr>
+          <a:xfrm>
+            <a:off x="1315233" y="2417523"/>
+            <a:ext cx="3206663" cy="307777"/>
+          </a:xfrm>
+          <a:prstGeom prst="rect">
+            <a:avLst/>
+          </a:prstGeom>
+          <a:noFill/>
+        </p:spPr>
+        <p:txBody>
+          <a:bodyPr wrap="square" rtlCol="0">
+            <a:spAutoFit/>
+          </a:bodyPr>
+          <a:lstStyle/>
+          <a:p>
+            <a:r>
+              <a:rPr lang="de-DE" sz="1400" dirty="0" smtClean="0"/>
+              <a:t>Client</a:t>
+            </a:r>
+            <a:endParaRPr lang="de-DE" sz="1400" dirty="0"/>
+          </a:p>
+        </p:txBody>
+      </p:sp>
+      <p:sp>
+        <p:nvSpPr>
+          <p:cNvPr id="12" name="Textfeld 11"/>
+          <p:cNvSpPr txBox="1"/>
+          <p:nvPr/>
+        </p:nvSpPr>
+        <p:spPr>
+          <a:xfrm>
+            <a:off x="7677410" y="2426824"/>
+            <a:ext cx="3206663" cy="307777"/>
+          </a:xfrm>
+          <a:prstGeom prst="rect">
+            <a:avLst/>
+          </a:prstGeom>
+          <a:noFill/>
+        </p:spPr>
+        <p:txBody>
+          <a:bodyPr wrap="square" rtlCol="0">
+            <a:spAutoFit/>
+          </a:bodyPr>
+          <a:lstStyle/>
+          <a:p>
+            <a:r>
+              <a:rPr lang="de-DE" sz="1400" dirty="0" smtClean="0"/>
+              <a:t>Server</a:t>
+            </a:r>
+            <a:endParaRPr lang="de-DE" sz="1400" dirty="0"/>
+          </a:p>
+        </p:txBody>
+      </p:sp>
+      <p:sp>
+        <p:nvSpPr>
+          <p:cNvPr id="13" name="Abgerundetes Rechteck 12"/>
+          <p:cNvSpPr/>
+          <p:nvPr/>
+        </p:nvSpPr>
+        <p:spPr>
+          <a:xfrm>
+            <a:off x="1315233" y="2796156"/>
+            <a:ext cx="3206663" cy="2452249"/>
+          </a:xfrm>
+          <a:prstGeom prst="roundRect">
+            <a:avLst/>
+          </a:prstGeom>
+          <a:solidFill>
+            <a:schemeClr val="accent1">
+              <a:lumMod val="20000"/>
+              <a:lumOff val="80000"/>
+            </a:schemeClr>
+          </a:solidFill>
+        </p:spPr>
+        <p:style>
+          <a:lnRef idx="2">
+            <a:schemeClr val="accent1">
+              <a:shade val="50000"/>
+            </a:schemeClr>
+          </a:lnRef>
+          <a:fillRef idx="1">
+            <a:schemeClr val="accent1"/>
+          </a:fillRef>
+          <a:effectRef idx="0">
+            <a:schemeClr val="accent1"/>
+          </a:effectRef>
+          <a:fontRef idx="minor">
+            <a:schemeClr val="lt1"/>
+          </a:fontRef>
+        </p:style>
+        <p:txBody>
+          <a:bodyPr rtlCol="0" anchor="ctr"/>
+          <a:lstStyle/>
+          <a:p>
+            <a:pPr algn="ctr"/>
+            <a:endParaRPr lang="de-DE"/>
+          </a:p>
+        </p:txBody>
+      </p:sp>
+      <p:sp>
+        <p:nvSpPr>
+          <p:cNvPr id="15" name="Textfeld 14"/>
+          <p:cNvSpPr txBox="1"/>
+          <p:nvPr/>
+        </p:nvSpPr>
+        <p:spPr>
+          <a:xfrm>
+            <a:off x="1645796" y="2796156"/>
+            <a:ext cx="3206663" cy="307777"/>
+          </a:xfrm>
+          <a:prstGeom prst="rect">
+            <a:avLst/>
+          </a:prstGeom>
+          <a:noFill/>
+        </p:spPr>
+        <p:txBody>
+          <a:bodyPr wrap="square" rtlCol="0">
+            <a:spAutoFit/>
+          </a:bodyPr>
+          <a:lstStyle/>
+          <a:p>
+            <a:r>
+              <a:rPr lang="de-DE" sz="1400" dirty="0" smtClean="0"/>
+              <a:t>Webbrowser</a:t>
+            </a:r>
+            <a:endParaRPr lang="de-DE" sz="1400" dirty="0"/>
+          </a:p>
+        </p:txBody>
+      </p:sp>
+      <p:sp>
+        <p:nvSpPr>
+          <p:cNvPr id="16" name="Abgerundetes Rechteck 15"/>
+          <p:cNvSpPr/>
+          <p:nvPr/>
+        </p:nvSpPr>
+        <p:spPr>
+          <a:xfrm>
+            <a:off x="7677410" y="2796156"/>
+            <a:ext cx="3206663" cy="2452249"/>
+          </a:xfrm>
+          <a:prstGeom prst="roundRect">
+            <a:avLst/>
+          </a:prstGeom>
+          <a:solidFill>
+            <a:schemeClr val="accent1">
+              <a:lumMod val="20000"/>
+              <a:lumOff val="80000"/>
+            </a:schemeClr>
+          </a:solidFill>
+        </p:spPr>
+        <p:style>
+          <a:lnRef idx="2">
+            <a:schemeClr val="accent1">
+              <a:shade val="50000"/>
+            </a:schemeClr>
+          </a:lnRef>
+          <a:fillRef idx="1">
+            <a:schemeClr val="accent1"/>
+          </a:fillRef>
+          <a:effectRef idx="0">
+            <a:schemeClr val="accent1"/>
+          </a:effectRef>
+          <a:fontRef idx="minor">
+            <a:schemeClr val="lt1"/>
+          </a:fontRef>
+        </p:style>
+        <p:txBody>
+          <a:bodyPr rtlCol="0" anchor="ctr"/>
+          <a:lstStyle/>
+          <a:p>
+            <a:pPr algn="ctr"/>
+            <a:endParaRPr lang="de-DE"/>
+          </a:p>
+        </p:txBody>
+      </p:sp>
+      <p:sp>
+        <p:nvSpPr>
+          <p:cNvPr id="17" name="Abgerundetes Rechteck 16"/>
+          <p:cNvSpPr/>
+          <p:nvPr/>
+        </p:nvSpPr>
+        <p:spPr>
+          <a:xfrm>
+            <a:off x="1645795" y="3103934"/>
+            <a:ext cx="2600528" cy="1881426"/>
+          </a:xfrm>
+          <a:prstGeom prst="roundRect">
+            <a:avLst/>
+          </a:prstGeom>
+          <a:solidFill>
+            <a:schemeClr val="accent1">
+              <a:lumMod val="20000"/>
+              <a:lumOff val="80000"/>
+            </a:schemeClr>
+          </a:solidFill>
+        </p:spPr>
+        <p:style>
+          <a:lnRef idx="2">
+            <a:schemeClr val="accent1">
+              <a:shade val="50000"/>
+            </a:schemeClr>
+          </a:lnRef>
+          <a:fillRef idx="1">
+            <a:schemeClr val="accent1"/>
+          </a:fillRef>
+          <a:effectRef idx="0">
+            <a:schemeClr val="accent1"/>
+          </a:effectRef>
+          <a:fontRef idx="minor">
+            <a:schemeClr val="lt1"/>
+          </a:fontRef>
+        </p:style>
+        <p:txBody>
+          <a:bodyPr rtlCol="0" anchor="ctr"/>
+          <a:lstStyle/>
+          <a:p>
+            <a:pPr algn="ctr"/>
+            <a:endParaRPr lang="de-DE"/>
+          </a:p>
+        </p:txBody>
+      </p:sp>
+      <p:sp>
+        <p:nvSpPr>
+          <p:cNvPr id="18" name="Textfeld 17"/>
+          <p:cNvSpPr txBox="1"/>
+          <p:nvPr/>
+        </p:nvSpPr>
+        <p:spPr>
+          <a:xfrm>
+            <a:off x="1908843" y="3103934"/>
+            <a:ext cx="3206663" cy="307777"/>
+          </a:xfrm>
+          <a:prstGeom prst="rect">
+            <a:avLst/>
+          </a:prstGeom>
+          <a:noFill/>
+        </p:spPr>
+        <p:txBody>
+          <a:bodyPr wrap="square" rtlCol="0">
+            <a:spAutoFit/>
+          </a:bodyPr>
+          <a:lstStyle/>
+          <a:p>
+            <a:r>
+              <a:rPr lang="de-DE" sz="1400" dirty="0" smtClean="0"/>
+              <a:t>Socket.io</a:t>
+            </a:r>
+            <a:endParaRPr lang="de-DE" sz="1400" dirty="0"/>
+          </a:p>
+        </p:txBody>
+      </p:sp>
+      <p:sp>
+        <p:nvSpPr>
+          <p:cNvPr id="19" name="Abgerundetes Rechteck 18"/>
+          <p:cNvSpPr/>
+          <p:nvPr/>
+        </p:nvSpPr>
+        <p:spPr>
+          <a:xfrm>
+            <a:off x="7980478" y="3103934"/>
+            <a:ext cx="2600528" cy="1881426"/>
+          </a:xfrm>
+          <a:prstGeom prst="roundRect">
+            <a:avLst/>
+          </a:prstGeom>
+          <a:solidFill>
+            <a:schemeClr val="accent1">
+              <a:lumMod val="20000"/>
+              <a:lumOff val="80000"/>
+            </a:schemeClr>
+          </a:solidFill>
+        </p:spPr>
+        <p:style>
+          <a:lnRef idx="2">
+            <a:schemeClr val="accent1">
+              <a:shade val="50000"/>
+            </a:schemeClr>
+          </a:lnRef>
+          <a:fillRef idx="1">
+            <a:schemeClr val="accent1"/>
+          </a:fillRef>
+          <a:effectRef idx="0">
+            <a:schemeClr val="accent1"/>
+          </a:effectRef>
+          <a:fontRef idx="minor">
+            <a:schemeClr val="lt1"/>
+          </a:fontRef>
+        </p:style>
+        <p:txBody>
+          <a:bodyPr rtlCol="0" anchor="ctr"/>
+          <a:lstStyle/>
+          <a:p>
+            <a:pPr algn="ctr"/>
+            <a:endParaRPr lang="de-DE"/>
+          </a:p>
+        </p:txBody>
+      </p:sp>
+      <p:sp>
+        <p:nvSpPr>
+          <p:cNvPr id="20" name="Textfeld 19"/>
+          <p:cNvSpPr txBox="1"/>
+          <p:nvPr/>
+        </p:nvSpPr>
+        <p:spPr>
+          <a:xfrm>
+            <a:off x="7980478" y="2808250"/>
+            <a:ext cx="3206663" cy="307777"/>
+          </a:xfrm>
+          <a:prstGeom prst="rect">
+            <a:avLst/>
+          </a:prstGeom>
+          <a:noFill/>
+        </p:spPr>
+        <p:txBody>
+          <a:bodyPr wrap="square" rtlCol="0">
+            <a:spAutoFit/>
+          </a:bodyPr>
+          <a:lstStyle/>
+          <a:p>
+            <a:r>
+              <a:rPr lang="de-DE" sz="1400" dirty="0" smtClean="0"/>
+              <a:t>Socket.io</a:t>
+            </a:r>
+            <a:endParaRPr lang="de-DE" sz="1400" dirty="0"/>
+          </a:p>
+        </p:txBody>
+      </p:sp>
+      <p:sp>
+        <p:nvSpPr>
+          <p:cNvPr id="21" name="Textfeld 20"/>
+          <p:cNvSpPr txBox="1"/>
+          <p:nvPr/>
+        </p:nvSpPr>
+        <p:spPr>
+          <a:xfrm>
+            <a:off x="8146093" y="3140646"/>
+            <a:ext cx="3206663" cy="307777"/>
+          </a:xfrm>
+          <a:prstGeom prst="rect">
+            <a:avLst/>
+          </a:prstGeom>
+          <a:noFill/>
+        </p:spPr>
+        <p:txBody>
+          <a:bodyPr wrap="square" rtlCol="0">
+            <a:spAutoFit/>
+          </a:bodyPr>
+          <a:lstStyle/>
+          <a:p>
+            <a:r>
+              <a:rPr lang="de-DE" sz="1400" dirty="0" smtClean="0"/>
+              <a:t>Node.js</a:t>
+            </a:r>
+            <a:endParaRPr lang="de-DE" sz="1400" dirty="0"/>
+          </a:p>
+        </p:txBody>
+      </p:sp>
     </p:spTree>
     <p:extLst>
       <p:ext uri="{BB962C8B-B14F-4D97-AF65-F5344CB8AC3E}">
@@ -5928,7 +6466,7 @@
         <p:spPr>
           <a:xfrm>
             <a:off x="901874" y="1122363"/>
-            <a:ext cx="6976997" cy="4708981"/>
+            <a:ext cx="9294312" cy="6093976"/>
           </a:xfrm>
           <a:prstGeom prst="rect">
             <a:avLst/>
@@ -5949,7 +6487,7 @@
           <a:p>
             <a:r>
               <a:rPr lang="de-DE" sz="3600" b="1" dirty="0" err="1" smtClean="0"/>
-              <a:t>Lesson</a:t>
+              <a:t>Lessons</a:t>
             </a:r>
             <a:r>
               <a:rPr lang="de-DE" sz="3600" b="1" dirty="0" smtClean="0"/>
@@ -5959,7 +6497,18 @@
               <a:rPr lang="de-DE" sz="3600" b="1" dirty="0" err="1" smtClean="0"/>
               <a:t>Learned</a:t>
             </a:r>
-            <a:endParaRPr lang="de-DE" sz="3600" b="1" dirty="0" smtClean="0"/>
+            <a:r>
+              <a:rPr lang="de-DE" sz="3600" b="1" dirty="0" smtClean="0"/>
+              <a:t> </a:t>
+            </a:r>
+            <a:r>
+              <a:rPr lang="de-DE" sz="3600" b="1" dirty="0" err="1" smtClean="0"/>
+              <a:t>about</a:t>
+            </a:r>
+            <a:r>
+              <a:rPr lang="de-DE" sz="3600" b="1" dirty="0" smtClean="0"/>
+              <a:t> node.js </a:t>
+            </a:r>
           </a:p>
           <a:p>
             <a:endParaRPr lang="de-DE" sz="1200" b="1" dirty="0"/>
@@ -5967,7 +6516,71 @@
           <a:p>
             <a:r>
               <a:rPr lang="de-DE" dirty="0" smtClean="0"/>
-              <a:t>event-</a:t>
+              <a:t> </a:t>
+            </a:r>
+          </a:p>
+          <a:p>
+            <a:r>
+              <a:rPr lang="de-DE" dirty="0" smtClean="0"/>
+              <a:t>	easy </a:t>
+            </a:r>
+            <a:r>
+              <a:rPr lang="de-DE" dirty="0" err="1" smtClean="0"/>
+              <a:t>to</a:t>
+            </a:r>
+            <a:r>
+              <a:rPr lang="de-DE" dirty="0" smtClean="0"/>
+              <a:t> </a:t>
+            </a:r>
+            <a:r>
+              <a:rPr lang="de-DE" dirty="0" err="1" smtClean="0"/>
+              <a:t>set</a:t>
+            </a:r>
+            <a:r>
+              <a:rPr lang="de-DE" dirty="0" smtClean="0"/>
+              <a:t> </a:t>
+            </a:r>
+            <a:r>
+              <a:rPr lang="de-DE" dirty="0" err="1" smtClean="0"/>
+              <a:t>up</a:t>
+            </a:r>
+            <a:r>
+              <a:rPr lang="de-DE" dirty="0" smtClean="0"/>
+              <a:t> </a:t>
+            </a:r>
+            <a:r>
+              <a:rPr lang="de-DE" dirty="0" err="1" smtClean="0"/>
+              <a:t>and</a:t>
+            </a:r>
+            <a:r>
+              <a:rPr lang="de-DE" dirty="0" smtClean="0"/>
+              <a:t> host a </a:t>
+            </a:r>
+            <a:r>
+              <a:rPr lang="de-DE" dirty="0" err="1" smtClean="0"/>
+              <a:t>server</a:t>
+            </a:r>
+            <a:r>
+              <a:rPr lang="de-DE" dirty="0" smtClean="0"/>
+              <a:t> </a:t>
+            </a:r>
+            <a:r>
+              <a:rPr lang="de-DE" dirty="0" err="1" smtClean="0"/>
+              <a:t>with</a:t>
+            </a:r>
+            <a:r>
+              <a:rPr lang="de-DE" dirty="0" smtClean="0"/>
+              <a:t> node.js </a:t>
+            </a:r>
+            <a:endParaRPr lang="de-DE" dirty="0"/>
+          </a:p>
+          <a:p>
+            <a:endParaRPr lang="de-DE" dirty="0"/>
+          </a:p>
+          <a:p>
+            <a:r>
+              <a:rPr lang="de-DE" dirty="0" smtClean="0"/>
+              <a:t>	event-</a:t>
             </a:r>
             <a:r>
               <a:rPr lang="de-DE" dirty="0" err="1" smtClean="0"/>
@@ -6013,7 +6626,43 @@
               <a:rPr lang="de-DE" dirty="0" err="1" smtClean="0"/>
               <a:t>client</a:t>
             </a:r>
-            <a:endParaRPr lang="de-DE" dirty="0" smtClean="0"/>
+            <a:r>
+              <a:rPr lang="de-DE" dirty="0" smtClean="0"/>
+              <a:t> via </a:t>
+            </a:r>
+            <a:r>
+              <a:rPr lang="de-DE" dirty="0" err="1" smtClean="0"/>
+              <a:t>methods</a:t>
+            </a:r>
+            <a:r>
+              <a:rPr lang="de-DE" dirty="0" smtClean="0"/>
+              <a:t> on() </a:t>
+            </a:r>
+            <a:r>
+              <a:rPr lang="de-DE" dirty="0" err="1" smtClean="0"/>
+              <a:t>and</a:t>
+            </a:r>
+            <a:r>
+              <a:rPr lang="de-DE" dirty="0" smtClean="0"/>
+              <a:t> </a:t>
+            </a:r>
+            <a:r>
+              <a:rPr lang="de-DE" dirty="0" err="1" smtClean="0"/>
+              <a:t>emit</a:t>
+            </a:r>
+            <a:r>
+              <a:rPr lang="de-DE" dirty="0" smtClean="0"/>
+              <a:t>()</a:t>
+            </a:r>
+          </a:p>
+          <a:p>
+            <a:endParaRPr lang="de-DE" dirty="0"/>
+          </a:p>
+          <a:p>
+            <a:r>
+              <a:rPr lang="de-DE" dirty="0" smtClean="0"/>
+              <a:t>	</a:t>
+            </a:r>
           </a:p>
           <a:p>
             <a:endParaRPr lang="de-DE" dirty="0"/>
@@ -6068,10 +6717,376 @@
           </a:prstGeom>
         </p:spPr>
       </p:pic>
+      <p:pic>
+        <p:nvPicPr>
+          <p:cNvPr id="10" name="Grafik 9"/>
+          <p:cNvPicPr>
+            <a:picLocks noChangeAspect="1"/>
+          </p:cNvPicPr>
+          <p:nvPr/>
+        </p:nvPicPr>
+        <p:blipFill>
+          <a:blip r:embed="rId6" cstate="print">
+            <a:extLst>
+              <a:ext uri="{28A0092B-C50C-407E-A947-70E740481C1C}">
+                <a14:useLocalDpi xmlns:a14="http://schemas.microsoft.com/office/drawing/2010/main" val="0"/>
+              </a:ext>
+            </a:extLst>
+          </a:blip>
+          <a:stretch>
+            <a:fillRect/>
+          </a:stretch>
+        </p:blipFill>
+        <p:spPr>
+          <a:xfrm>
+            <a:off x="1338909" y="2450434"/>
+            <a:ext cx="314526" cy="288116"/>
+          </a:xfrm>
+          <a:prstGeom prst="rect">
+            <a:avLst/>
+          </a:prstGeom>
+        </p:spPr>
+      </p:pic>
+      <p:pic>
+        <p:nvPicPr>
+          <p:cNvPr id="11" name="Grafik 10"/>
+          <p:cNvPicPr>
+            <a:picLocks noChangeAspect="1"/>
+          </p:cNvPicPr>
+          <p:nvPr/>
+        </p:nvPicPr>
+        <p:blipFill>
+          <a:blip r:embed="rId6" cstate="print">
+            <a:extLst>
+              <a:ext uri="{28A0092B-C50C-407E-A947-70E740481C1C}">
+                <a14:useLocalDpi xmlns:a14="http://schemas.microsoft.com/office/drawing/2010/main" val="0"/>
+              </a:ext>
+            </a:extLst>
+          </a:blip>
+          <a:stretch>
+            <a:fillRect/>
+          </a:stretch>
+        </p:blipFill>
+        <p:spPr>
+          <a:xfrm>
+            <a:off x="1369536" y="3055410"/>
+            <a:ext cx="314526" cy="288116"/>
+          </a:xfrm>
+          <a:prstGeom prst="rect">
+            <a:avLst/>
+          </a:prstGeom>
+        </p:spPr>
+      </p:pic>
     </p:spTree>
     <p:extLst>
       <p:ext uri="{BB962C8B-B14F-4D97-AF65-F5344CB8AC3E}">
         <p14:creationId xmlns:p14="http://schemas.microsoft.com/office/powerpoint/2010/main" val="3504934838"/>
+      </p:ext>
+    </p:extLst>
+  </p:cSld>
+  <p:clrMapOvr>
+    <a:masterClrMapping/>
+  </p:clrMapOvr>
+  <p:timing>
+    <p:tnLst>
+      <p:par>
+        <p:cTn id="1" dur="indefinite" restart="never" nodeType="tmRoot"/>
+      </p:par>
+    </p:tnLst>
+  </p:timing>
+</p:sld>
+</file>
+
+<file path=ppt/slides/slide9.xml><?xml version="1.0" encoding="utf-8"?>
+<p:sld xmlns:a="http://schemas.openxmlformats.org/drawingml/2006/main" xmlns:r="http://schemas.openxmlformats.org/officeDocument/2006/relationships" xmlns:p="http://schemas.openxmlformats.org/presentationml/2006/main">
+  <p:cSld>
+    <p:spTree>
+      <p:nvGrpSpPr>
+        <p:cNvPr id="1" name=""/>
+        <p:cNvGrpSpPr/>
+        <p:nvPr/>
+      </p:nvGrpSpPr>
+      <p:grpSpPr>
+        <a:xfrm>
+          <a:off x="0" y="0"/>
+          <a:ext cx="0" cy="0"/>
+          <a:chOff x="0" y="0"/>
+          <a:chExt cx="0" cy="0"/>
+        </a:xfrm>
+      </p:grpSpPr>
+      <p:pic>
+        <p:nvPicPr>
+          <p:cNvPr id="8" name="Grafik 7">
+            <a:extLst>
+              <a:ext uri="{FF2B5EF4-FFF2-40B4-BE49-F238E27FC236}">
+                <a16:creationId xmlns:a16="http://schemas.microsoft.com/office/drawing/2014/main" xmlns="" id="{E7E2C6A5-D147-4C0D-AC4E-0B48C48BC4B8}"/>
+              </a:ext>
+            </a:extLst>
+          </p:cNvPr>
+          <p:cNvPicPr>
+            <a:picLocks noChangeAspect="1"/>
+          </p:cNvPicPr>
+          <p:nvPr/>
+        </p:nvPicPr>
+        <p:blipFill>
+          <a:blip r:embed="rId2"/>
+          <a:stretch>
+            <a:fillRect/>
+          </a:stretch>
+        </p:blipFill>
+        <p:spPr>
+          <a:xfrm>
+            <a:off x="0" y="6103029"/>
+            <a:ext cx="12192000" cy="505097"/>
+          </a:xfrm>
+          <a:prstGeom prst="rect">
+            <a:avLst/>
+          </a:prstGeom>
+        </p:spPr>
+      </p:pic>
+      <p:sp>
+        <p:nvSpPr>
+          <p:cNvPr id="4" name="Fußzeilenplatzhalter 3">
+            <a:extLst>
+              <a:ext uri="{FF2B5EF4-FFF2-40B4-BE49-F238E27FC236}">
+                <a16:creationId xmlns:a16="http://schemas.microsoft.com/office/drawing/2014/main" xmlns="" id="{EBEEBE32-E0F1-4769-9C78-BB3B31F5CA53}"/>
+              </a:ext>
+            </a:extLst>
+          </p:cNvPr>
+          <p:cNvSpPr>
+            <a:spLocks noGrp="1"/>
+          </p:cNvSpPr>
+          <p:nvPr>
+            <p:ph type="ftr" sz="quarter" idx="11"/>
+          </p:nvPr>
+        </p:nvSpPr>
+        <p:spPr>
+          <a:xfrm>
+            <a:off x="4038600" y="6514100"/>
+            <a:ext cx="4114800" cy="316706"/>
+          </a:xfrm>
+        </p:spPr>
+        <p:txBody>
+          <a:bodyPr/>
+          <a:lstStyle/>
+          <a:p>
+            <a:r>
+              <a:rPr lang="en-US" smtClean="0"/>
+              <a:t>Hannah Haist | Trang Le Hong | Felix Schoch</a:t>
+            </a:r>
+            <a:endParaRPr lang="de-DE" dirty="0"/>
+          </a:p>
+        </p:txBody>
+      </p:sp>
+      <p:sp>
+        <p:nvSpPr>
+          <p:cNvPr id="5" name="Foliennummernplatzhalter 4">
+            <a:extLst>
+              <a:ext uri="{FF2B5EF4-FFF2-40B4-BE49-F238E27FC236}">
+                <a16:creationId xmlns:a16="http://schemas.microsoft.com/office/drawing/2014/main" xmlns="" id="{FF774BF5-4681-422B-BB2E-A8C81B9F3BB8}"/>
+              </a:ext>
+            </a:extLst>
+          </p:cNvPr>
+          <p:cNvSpPr>
+            <a:spLocks noGrp="1"/>
+          </p:cNvSpPr>
+          <p:nvPr>
+            <p:ph type="sldNum" sz="quarter" idx="12"/>
+          </p:nvPr>
+        </p:nvSpPr>
+        <p:spPr/>
+        <p:txBody>
+          <a:bodyPr/>
+          <a:lstStyle/>
+          <a:p>
+            <a:fld id="{84940753-34CA-4D56-AA4B-98285DECA8F8}" type="slidenum">
+              <a:rPr lang="de-DE" smtClean="0"/>
+              <a:t>9</a:t>
+            </a:fld>
+            <a:endParaRPr lang="de-DE"/>
+          </a:p>
+        </p:txBody>
+      </p:sp>
+      <p:pic>
+        <p:nvPicPr>
+          <p:cNvPr id="6" name="Grafik 5">
+            <a:extLst>
+              <a:ext uri="{FF2B5EF4-FFF2-40B4-BE49-F238E27FC236}">
+                <a16:creationId xmlns:a16="http://schemas.microsoft.com/office/drawing/2014/main" xmlns="" id="{BCAFA80E-26BB-4A40-86DD-C77151BB2E2B}"/>
+              </a:ext>
+            </a:extLst>
+          </p:cNvPr>
+          <p:cNvPicPr>
+            <a:picLocks noChangeAspect="1"/>
+          </p:cNvPicPr>
+          <p:nvPr/>
+        </p:nvPicPr>
+        <p:blipFill>
+          <a:blip r:embed="rId3"/>
+          <a:stretch>
+            <a:fillRect/>
+          </a:stretch>
+        </p:blipFill>
+        <p:spPr>
+          <a:xfrm>
+            <a:off x="9418800" y="524063"/>
+            <a:ext cx="1935000" cy="598300"/>
+          </a:xfrm>
+          <a:prstGeom prst="rect">
+            <a:avLst/>
+          </a:prstGeom>
+        </p:spPr>
+      </p:pic>
+      <p:pic>
+        <p:nvPicPr>
+          <p:cNvPr id="7" name="Grafik 6">
+            <a:extLst>
+              <a:ext uri="{FF2B5EF4-FFF2-40B4-BE49-F238E27FC236}">
+                <a16:creationId xmlns:a16="http://schemas.microsoft.com/office/drawing/2014/main" xmlns="" id="{C75C8862-9845-4296-9F2C-2F74796FA2DD}"/>
+              </a:ext>
+            </a:extLst>
+          </p:cNvPr>
+          <p:cNvPicPr>
+            <a:picLocks noChangeAspect="1"/>
+          </p:cNvPicPr>
+          <p:nvPr/>
+        </p:nvPicPr>
+        <p:blipFill>
+          <a:blip r:embed="rId4"/>
+          <a:stretch>
+            <a:fillRect/>
+          </a:stretch>
+        </p:blipFill>
+        <p:spPr>
+          <a:xfrm>
+            <a:off x="9418800" y="5768323"/>
+            <a:ext cx="2244600" cy="598300"/>
+          </a:xfrm>
+          <a:prstGeom prst="rect">
+            <a:avLst/>
+          </a:prstGeom>
+        </p:spPr>
+      </p:pic>
+      <p:sp>
+        <p:nvSpPr>
+          <p:cNvPr id="2" name="Textfeld 1"/>
+          <p:cNvSpPr txBox="1"/>
+          <p:nvPr/>
+        </p:nvSpPr>
+        <p:spPr>
+          <a:xfrm>
+            <a:off x="901874" y="1122363"/>
+            <a:ext cx="9294312" cy="2031325"/>
+          </a:xfrm>
+          <a:prstGeom prst="rect">
+            <a:avLst/>
+          </a:prstGeom>
+          <a:noFill/>
+        </p:spPr>
+        <p:txBody>
+          <a:bodyPr wrap="square" rtlCol="0">
+            <a:spAutoFit/>
+          </a:bodyPr>
+          <a:lstStyle/>
+          <a:p>
+            <a:r>
+              <a:rPr lang="de-DE" dirty="0" smtClean="0"/>
+              <a:t>Cloud Computing </a:t>
+            </a:r>
+            <a:endParaRPr lang="de-DE" sz="1200" b="1" dirty="0"/>
+          </a:p>
+          <a:p>
+            <a:pPr lvl="0"/>
+            <a:r>
+              <a:rPr lang="de-DE" sz="3600" b="1" dirty="0" smtClean="0">
+                <a:solidFill>
+                  <a:prstClr val="black"/>
+                </a:solidFill>
+              </a:rPr>
+              <a:t>Live </a:t>
+            </a:r>
+            <a:r>
+              <a:rPr lang="de-DE" sz="3600" b="1" dirty="0" err="1" smtClean="0">
+                <a:solidFill>
+                  <a:prstClr val="black"/>
+                </a:solidFill>
+              </a:rPr>
+              <a:t>Presentation</a:t>
+            </a:r>
+            <a:endParaRPr lang="de-DE" sz="3600" b="1" dirty="0"/>
+          </a:p>
+          <a:p>
+            <a:endParaRPr lang="de-DE" sz="3600" b="1" dirty="0" smtClean="0"/>
+          </a:p>
+          <a:p>
+            <a:endParaRPr lang="de-DE" sz="3600" b="1" dirty="0" smtClean="0"/>
+          </a:p>
+        </p:txBody>
+      </p:sp>
+      <p:pic>
+        <p:nvPicPr>
+          <p:cNvPr id="9" name="Grafik 8"/>
+          <p:cNvPicPr>
+            <a:picLocks noChangeAspect="1"/>
+          </p:cNvPicPr>
+          <p:nvPr/>
+        </p:nvPicPr>
+        <p:blipFill>
+          <a:blip r:embed="rId5" cstate="print">
+            <a:extLst>
+              <a:ext uri="{28A0092B-C50C-407E-A947-70E740481C1C}">
+                <a14:useLocalDpi xmlns:a14="http://schemas.microsoft.com/office/drawing/2010/main" val="0"/>
+              </a:ext>
+            </a:extLst>
+          </a:blip>
+          <a:stretch>
+            <a:fillRect/>
+          </a:stretch>
+        </p:blipFill>
+        <p:spPr>
+          <a:xfrm>
+            <a:off x="233868" y="235947"/>
+            <a:ext cx="629052" cy="576231"/>
+          </a:xfrm>
+          <a:prstGeom prst="rect">
+            <a:avLst/>
+          </a:prstGeom>
+        </p:spPr>
+      </p:pic>
+      <p:pic>
+        <p:nvPicPr>
+          <p:cNvPr id="3" name="Grafik 2"/>
+          <p:cNvPicPr>
+            <a:picLocks noChangeAspect="1"/>
+          </p:cNvPicPr>
+          <p:nvPr/>
+        </p:nvPicPr>
+        <p:blipFill>
+          <a:blip r:embed="rId6">
+            <a:extLst>
+              <a:ext uri="{28A0092B-C50C-407E-A947-70E740481C1C}">
+                <a14:useLocalDpi xmlns:a14="http://schemas.microsoft.com/office/drawing/2010/main" val="0"/>
+              </a:ext>
+            </a:extLst>
+          </a:blip>
+          <a:stretch>
+            <a:fillRect/>
+          </a:stretch>
+        </p:blipFill>
+        <p:spPr>
+          <a:xfrm>
+            <a:off x="1590805" y="2007930"/>
+            <a:ext cx="8452302" cy="3898179"/>
+          </a:xfrm>
+          <a:prstGeom prst="rect">
+            <a:avLst/>
+          </a:prstGeom>
+        </p:spPr>
+      </p:pic>
+    </p:spTree>
+    <p:extLst>
+      <p:ext uri="{BB962C8B-B14F-4D97-AF65-F5344CB8AC3E}">
+        <p14:creationId xmlns:p14="http://schemas.microsoft.com/office/powerpoint/2010/main" val="605017378"/>
       </p:ext>
     </p:extLst>
   </p:cSld>
